--- a/Calendario2022/Presentaciones/6_MediosComunicacion_Profesor.pptx
+++ b/Calendario2022/Presentaciones/6_MediosComunicacion_Profesor.pptx
@@ -235,7 +235,7 @@
           <a:p>
             <a:fld id="{2D445F07-8756-451B-A938-0248325FC7BB}" type="datetimeFigureOut">
               <a:rPr lang="es-MX" smtClean="0"/>
-              <a:t>15/05/2022</a:t>
+              <a:t>16/05/2022</a:t>
             </a:fld>
             <a:endParaRPr lang="es-MX" dirty="0"/>
           </a:p>
@@ -1755,7 +1755,7 @@
           <a:p>
             <a:fld id="{5E75A0DC-66C6-4CEC-A5EB-F8C97CEC3796}" type="datetimeFigureOut">
               <a:rPr lang="es-MX" smtClean="0"/>
-              <a:t>15/05/2022</a:t>
+              <a:t>16/05/2022</a:t>
             </a:fld>
             <a:endParaRPr lang="es-MX" dirty="0"/>
           </a:p>
@@ -1925,7 +1925,7 @@
           <a:p>
             <a:fld id="{5E75A0DC-66C6-4CEC-A5EB-F8C97CEC3796}" type="datetimeFigureOut">
               <a:rPr lang="es-MX" smtClean="0"/>
-              <a:t>15/05/2022</a:t>
+              <a:t>16/05/2022</a:t>
             </a:fld>
             <a:endParaRPr lang="es-MX" dirty="0"/>
           </a:p>
@@ -2105,7 +2105,7 @@
           <a:p>
             <a:fld id="{5E75A0DC-66C6-4CEC-A5EB-F8C97CEC3796}" type="datetimeFigureOut">
               <a:rPr lang="es-MX" smtClean="0"/>
-              <a:t>15/05/2022</a:t>
+              <a:t>16/05/2022</a:t>
             </a:fld>
             <a:endParaRPr lang="es-MX" dirty="0"/>
           </a:p>
@@ -2346,7 +2346,7 @@
           <a:p>
             <a:fld id="{1D8BD707-D9CF-40AE-B4C6-C98DA3205C09}" type="datetimeFigureOut">
               <a:rPr lang="en-US"/>
-              <a:t>5/15/2022</a:t>
+              <a:t>5/16/2022</a:t>
             </a:fld>
             <a:endParaRPr lang="en-US"/>
           </a:p>
@@ -2811,7 +2811,7 @@
           <a:p>
             <a:fld id="{5E75A0DC-66C6-4CEC-A5EB-F8C97CEC3796}" type="datetimeFigureOut">
               <a:rPr lang="es-MX" smtClean="0"/>
-              <a:t>15/05/2022</a:t>
+              <a:t>16/05/2022</a:t>
             </a:fld>
             <a:endParaRPr lang="es-MX" dirty="0"/>
           </a:p>
@@ -3057,7 +3057,7 @@
           <a:p>
             <a:fld id="{5E75A0DC-66C6-4CEC-A5EB-F8C97CEC3796}" type="datetimeFigureOut">
               <a:rPr lang="es-MX" smtClean="0"/>
-              <a:t>15/05/2022</a:t>
+              <a:t>16/05/2022</a:t>
             </a:fld>
             <a:endParaRPr lang="es-MX" dirty="0"/>
           </a:p>
@@ -3345,7 +3345,7 @@
           <a:p>
             <a:fld id="{5E75A0DC-66C6-4CEC-A5EB-F8C97CEC3796}" type="datetimeFigureOut">
               <a:rPr lang="es-MX" smtClean="0"/>
-              <a:t>15/05/2022</a:t>
+              <a:t>16/05/2022</a:t>
             </a:fld>
             <a:endParaRPr lang="es-MX" dirty="0"/>
           </a:p>
@@ -3767,7 +3767,7 @@
           <a:p>
             <a:fld id="{5E75A0DC-66C6-4CEC-A5EB-F8C97CEC3796}" type="datetimeFigureOut">
               <a:rPr lang="es-MX" smtClean="0"/>
-              <a:t>15/05/2022</a:t>
+              <a:t>16/05/2022</a:t>
             </a:fld>
             <a:endParaRPr lang="es-MX" dirty="0"/>
           </a:p>
@@ -3885,7 +3885,7 @@
           <a:p>
             <a:fld id="{5E75A0DC-66C6-4CEC-A5EB-F8C97CEC3796}" type="datetimeFigureOut">
               <a:rPr lang="es-MX" smtClean="0"/>
-              <a:t>15/05/2022</a:t>
+              <a:t>16/05/2022</a:t>
             </a:fld>
             <a:endParaRPr lang="es-MX" dirty="0"/>
           </a:p>
@@ -3980,7 +3980,7 @@
           <a:p>
             <a:fld id="{5E75A0DC-66C6-4CEC-A5EB-F8C97CEC3796}" type="datetimeFigureOut">
               <a:rPr lang="es-MX" smtClean="0"/>
-              <a:t>15/05/2022</a:t>
+              <a:t>16/05/2022</a:t>
             </a:fld>
             <a:endParaRPr lang="es-MX" dirty="0"/>
           </a:p>
@@ -4257,7 +4257,7 @@
           <a:p>
             <a:fld id="{5E75A0DC-66C6-4CEC-A5EB-F8C97CEC3796}" type="datetimeFigureOut">
               <a:rPr lang="es-MX" smtClean="0"/>
-              <a:t>15/05/2022</a:t>
+              <a:t>16/05/2022</a:t>
             </a:fld>
             <a:endParaRPr lang="es-MX" dirty="0"/>
           </a:p>
@@ -4510,7 +4510,7 @@
           <a:p>
             <a:fld id="{5E75A0DC-66C6-4CEC-A5EB-F8C97CEC3796}" type="datetimeFigureOut">
               <a:rPr lang="es-MX" smtClean="0"/>
-              <a:t>15/05/2022</a:t>
+              <a:t>16/05/2022</a:t>
             </a:fld>
             <a:endParaRPr lang="es-MX" dirty="0"/>
           </a:p>
@@ -4723,7 +4723,7 @@
           <a:p>
             <a:fld id="{5E75A0DC-66C6-4CEC-A5EB-F8C97CEC3796}" type="datetimeFigureOut">
               <a:rPr lang="es-MX" smtClean="0"/>
-              <a:t>15/05/2022</a:t>
+              <a:t>16/05/2022</a:t>
             </a:fld>
             <a:endParaRPr lang="es-MX" dirty="0"/>
           </a:p>
